--- a/Sitzungen/01-Einführung/Einfuerung.pptx
+++ b/Sitzungen/01-Einführung/Einfuerung.pptx
@@ -5,18 +5,17 @@
     <p:sldMasterId id="2147483673" r:id="rId4"/>
   </p:sldMasterIdLst>
   <p:notesMasterIdLst>
-    <p:notesMasterId r:id="rId14"/>
+    <p:notesMasterId r:id="rId13"/>
   </p:notesMasterIdLst>
   <p:sldIdLst>
     <p:sldId id="2076136851" r:id="rId5"/>
     <p:sldId id="2076136853" r:id="rId6"/>
-    <p:sldId id="2076136874" r:id="rId7"/>
-    <p:sldId id="2076136852" r:id="rId8"/>
-    <p:sldId id="2076136854" r:id="rId9"/>
-    <p:sldId id="2076136873" r:id="rId10"/>
-    <p:sldId id="2076136857" r:id="rId11"/>
-    <p:sldId id="2076136859" r:id="rId12"/>
-    <p:sldId id="2076136860" r:id="rId13"/>
+    <p:sldId id="2076136852" r:id="rId7"/>
+    <p:sldId id="2076136854" r:id="rId8"/>
+    <p:sldId id="2076136873" r:id="rId9"/>
+    <p:sldId id="2076136857" r:id="rId10"/>
+    <p:sldId id="2076136859" r:id="rId11"/>
+    <p:sldId id="2076136860" r:id="rId12"/>
   </p:sldIdLst>
   <p:sldSz cx="11522075" cy="6480175"/>
   <p:notesSz cx="6858000" cy="9144000"/>
@@ -293,7 +292,7 @@
           <a:p>
             <a:fld id="{05408900-6234-440B-A027-38F10FF7E2F1}" type="datetimeFigureOut">
               <a:rPr lang="de-DE" smtClean="0"/>
-              <a:t>09.06.24</a:t>
+              <a:t>10.06.24</a:t>
             </a:fld>
             <a:endParaRPr lang="de-DE"/>
           </a:p>
@@ -1374,7 +1373,7 @@
           <a:p>
             <a:fld id="{5C112017-8065-48DD-9B13-0C49ED4C96A2}" type="datetime1">
               <a:rPr lang="de-DE" smtClean="0"/>
-              <a:t>09.06.24</a:t>
+              <a:t>10.06.24</a:t>
             </a:fld>
             <a:endParaRPr lang="de-DE" dirty="0"/>
           </a:p>
@@ -1501,7 +1500,7 @@
           <a:p>
             <a:fld id="{C9105859-118F-4F50-A6FB-E91B2E1A8A72}" type="datetime1">
               <a:rPr lang="de-DE" smtClean="0"/>
-              <a:t>09.06.24</a:t>
+              <a:t>10.06.24</a:t>
             </a:fld>
             <a:endParaRPr lang="de-DE"/>
           </a:p>
@@ -2145,7 +2144,7 @@
           <a:p>
             <a:fld id="{0CD4B225-F0B8-46AA-90BF-C673216C1F00}" type="datetime1">
               <a:rPr lang="de-DE" smtClean="0"/>
-              <a:t>09.06.24</a:t>
+              <a:t>10.06.24</a:t>
             </a:fld>
             <a:endParaRPr lang="de-DE" dirty="0"/>
           </a:p>
@@ -2293,7 +2292,7 @@
           <a:p>
             <a:fld id="{6E13A16E-77CB-4136-8008-E4869A326378}" type="datetime1">
               <a:rPr lang="de-DE" smtClean="0"/>
-              <a:t>09.06.24</a:t>
+              <a:t>10.06.24</a:t>
             </a:fld>
             <a:endParaRPr lang="de-DE" dirty="0"/>
           </a:p>
@@ -2508,7 +2507,7 @@
           <a:p>
             <a:fld id="{81E902D4-492B-4864-93F6-DA83A304C178}" type="datetime1">
               <a:rPr lang="de-DE" smtClean="0"/>
-              <a:t>09.06.24</a:t>
+              <a:t>10.06.24</a:t>
             </a:fld>
             <a:endParaRPr lang="de-DE" dirty="0"/>
           </a:p>
@@ -2653,7 +2652,7 @@
           <a:p>
             <a:fld id="{0569583C-3F6E-4979-BCD4-23FDD265FDDE}" type="datetime1">
               <a:rPr lang="de-DE" smtClean="0"/>
-              <a:t>09.06.24</a:t>
+              <a:t>10.06.24</a:t>
             </a:fld>
             <a:endParaRPr lang="de-DE"/>
           </a:p>
@@ -2902,7 +2901,7 @@
           <a:p>
             <a:fld id="{F89D93DB-2134-4258-BD90-5CD3850D939D}" type="datetime1">
               <a:rPr lang="de-DE" smtClean="0"/>
-              <a:t>09.06.24</a:t>
+              <a:t>10.06.24</a:t>
             </a:fld>
             <a:endParaRPr lang="de-DE"/>
           </a:p>
@@ -3267,7 +3266,7 @@
           <a:p>
             <a:fld id="{F4A3588F-6311-4A7C-AD81-15BB8BACBCD3}" type="datetime1">
               <a:rPr lang="de-DE" smtClean="0"/>
-              <a:t>09.06.24</a:t>
+              <a:t>10.06.24</a:t>
             </a:fld>
             <a:endParaRPr lang="de-DE" dirty="0"/>
           </a:p>
@@ -3545,7 +3544,7 @@
           <a:p>
             <a:fld id="{3EF61ABD-1EA8-4621-BE25-CD48C302A2BF}" type="datetime1">
               <a:rPr lang="de-DE" smtClean="0"/>
-              <a:t>09.06.24</a:t>
+              <a:t>10.06.24</a:t>
             </a:fld>
             <a:endParaRPr lang="de-DE" dirty="0"/>
           </a:p>
@@ -4663,7 +4662,7 @@
           <a:p>
             <a:fld id="{5C112017-8065-48DD-9B13-0C49ED4C96A2}" type="datetime1">
               <a:rPr lang="de-DE" smtClean="0"/>
-              <a:t>09.06.24</a:t>
+              <a:t>10.06.24</a:t>
             </a:fld>
             <a:endParaRPr lang="de-DE" dirty="0"/>
           </a:p>
@@ -4768,168 +4767,10 @@
       </p:grpSpPr>
       <p:sp>
         <p:nvSpPr>
-          <p:cNvPr id="2" name="Inhaltsplatzhalter 1">
+          <p:cNvPr id="3" name="Titel 2">
             <a:extLst>
               <a:ext uri="{FF2B5EF4-FFF2-40B4-BE49-F238E27FC236}">
-                <a16:creationId xmlns:a16="http://schemas.microsoft.com/office/drawing/2014/main" id="{7DC47A1A-1D67-4A19-9ACE-DAE821EB432C}"/>
-              </a:ext>
-            </a:extLst>
-          </p:cNvPr>
-          <p:cNvSpPr>
-            <a:spLocks noGrp="1"/>
-          </p:cNvSpPr>
-          <p:nvPr>
-            <p:ph sz="quarter" idx="13"/>
-          </p:nvPr>
-        </p:nvSpPr>
-        <p:spPr>
-          <a:xfrm>
-            <a:off x="575999" y="1114850"/>
-            <a:ext cx="8784531" cy="4681538"/>
-          </a:xfrm>
-        </p:spPr>
-        <p:txBody>
-          <a:bodyPr vert="horz" lIns="0" tIns="0" rIns="0" bIns="0" rtlCol="0" anchor="t">
-            <a:noAutofit/>
-          </a:bodyPr>
-          <a:lstStyle/>
-          <a:p>
-            <a:pPr marL="285750" indent="-285750">
-              <a:lnSpc>
-                <a:spcPct val="150000"/>
-              </a:lnSpc>
-              <a:spcBef>
-                <a:spcPts val="0"/>
-              </a:spcBef>
-              <a:buFont typeface="Arial" panose="020B0604020202020204" pitchFamily="34" charset="0"/>
-              <a:buChar char="•"/>
-            </a:pPr>
-            <a:r>
-              <a:rPr lang="de-DE" sz="1600" b="0" dirty="0">
-                <a:latin typeface="Tahoma" panose="020B0604030504040204" pitchFamily="34" charset="0"/>
-                <a:ea typeface="Tahoma" panose="020B0604030504040204" pitchFamily="34" charset="0"/>
-                <a:cs typeface="Tahoma" panose="020B0604030504040204" pitchFamily="34" charset="0"/>
-              </a:rPr>
-              <a:t>Wie heiße ich?</a:t>
-            </a:r>
-          </a:p>
-          <a:p>
-            <a:pPr marL="285750" indent="-285750">
-              <a:lnSpc>
-                <a:spcPct val="150000"/>
-              </a:lnSpc>
-              <a:spcBef>
-                <a:spcPts val="0"/>
-              </a:spcBef>
-              <a:buFont typeface="Arial" panose="020B0604020202020204" pitchFamily="34" charset="0"/>
-              <a:buChar char="•"/>
-            </a:pPr>
-            <a:r>
-              <a:rPr lang="de-DE" sz="1600" b="0" dirty="0">
-                <a:latin typeface="Tahoma" panose="020B0604030504040204" pitchFamily="34" charset="0"/>
-                <a:ea typeface="Tahoma" panose="020B0604030504040204" pitchFamily="34" charset="0"/>
-                <a:cs typeface="Tahoma" panose="020B0604030504040204" pitchFamily="34" charset="0"/>
-              </a:rPr>
-              <a:t>Aus welcher Geschäftsstelle bin ich?</a:t>
-            </a:r>
-          </a:p>
-          <a:p>
-            <a:pPr marL="285750" indent="-285750">
-              <a:lnSpc>
-                <a:spcPct val="150000"/>
-              </a:lnSpc>
-              <a:spcBef>
-                <a:spcPts val="0"/>
-              </a:spcBef>
-              <a:buFont typeface="Arial" panose="020B0604020202020204" pitchFamily="34" charset="0"/>
-              <a:buChar char="•"/>
-            </a:pPr>
-            <a:r>
-              <a:rPr lang="de-DE" sz="1600" b="0" dirty="0">
-                <a:latin typeface="Tahoma" panose="020B0604030504040204" pitchFamily="34" charset="0"/>
-                <a:ea typeface="Tahoma" panose="020B0604030504040204" pitchFamily="34" charset="0"/>
-                <a:cs typeface="Tahoma" panose="020B0604030504040204" pitchFamily="34" charset="0"/>
-              </a:rPr>
-              <a:t>Seit wann bin ich in </a:t>
-            </a:r>
-            <a:r>
-              <a:rPr lang="de-DE" sz="1600" b="0" dirty="0" err="1">
-                <a:latin typeface="Tahoma" panose="020B0604030504040204" pitchFamily="34" charset="0"/>
-                <a:ea typeface="Tahoma" panose="020B0604030504040204" pitchFamily="34" charset="0"/>
-                <a:cs typeface="Tahoma" panose="020B0604030504040204" pitchFamily="34" charset="0"/>
-              </a:rPr>
-              <a:t>adesso</a:t>
-            </a:r>
-            <a:r>
-              <a:rPr lang="de-DE" sz="1600" b="0" dirty="0">
-                <a:latin typeface="Tahoma" panose="020B0604030504040204" pitchFamily="34" charset="0"/>
-                <a:ea typeface="Tahoma" panose="020B0604030504040204" pitchFamily="34" charset="0"/>
-                <a:cs typeface="Tahoma" panose="020B0604030504040204" pitchFamily="34" charset="0"/>
-              </a:rPr>
-              <a:t>?</a:t>
-            </a:r>
-          </a:p>
-          <a:p>
-            <a:pPr marL="285750" indent="-285750">
-              <a:lnSpc>
-                <a:spcPct val="150000"/>
-              </a:lnSpc>
-              <a:spcBef>
-                <a:spcPts val="0"/>
-              </a:spcBef>
-              <a:buFont typeface="Arial" panose="020B0604020202020204" pitchFamily="34" charset="0"/>
-              <a:buChar char="•"/>
-            </a:pPr>
-            <a:r>
-              <a:rPr lang="de-DE" sz="1600" b="0" dirty="0">
-                <a:latin typeface="Tahoma" panose="020B0604030504040204" pitchFamily="34" charset="0"/>
-                <a:ea typeface="Tahoma" panose="020B0604030504040204" pitchFamily="34" charset="0"/>
-                <a:cs typeface="Tahoma" panose="020B0604030504040204" pitchFamily="34" charset="0"/>
-              </a:rPr>
-              <a:t>Was und Wo mache ich in </a:t>
-            </a:r>
-            <a:r>
-              <a:rPr lang="de-DE" sz="1600" b="0" dirty="0" err="1">
-                <a:latin typeface="Tahoma" panose="020B0604030504040204" pitchFamily="34" charset="0"/>
-                <a:ea typeface="Tahoma" panose="020B0604030504040204" pitchFamily="34" charset="0"/>
-                <a:cs typeface="Tahoma" panose="020B0604030504040204" pitchFamily="34" charset="0"/>
-              </a:rPr>
-              <a:t>adesso</a:t>
-            </a:r>
-            <a:r>
-              <a:rPr lang="de-DE" sz="1600" b="0" dirty="0">
-                <a:latin typeface="Tahoma" panose="020B0604030504040204" pitchFamily="34" charset="0"/>
-                <a:ea typeface="Tahoma" panose="020B0604030504040204" pitchFamily="34" charset="0"/>
-                <a:cs typeface="Tahoma" panose="020B0604030504040204" pitchFamily="34" charset="0"/>
-              </a:rPr>
-              <a:t>?</a:t>
-            </a:r>
-          </a:p>
-          <a:p>
-            <a:pPr marL="285750" indent="-285750">
-              <a:lnSpc>
-                <a:spcPct val="150000"/>
-              </a:lnSpc>
-              <a:spcBef>
-                <a:spcPts val="0"/>
-              </a:spcBef>
-              <a:buFont typeface="Arial" panose="020B0604020202020204" pitchFamily="34" charset="0"/>
-              <a:buChar char="•"/>
-            </a:pPr>
-            <a:endParaRPr lang="de-DE" sz="1600" b="0" dirty="0">
-              <a:latin typeface="Tahoma" panose="020B0604030504040204" pitchFamily="34" charset="0"/>
-              <a:ea typeface="Tahoma" panose="020B0604030504040204" pitchFamily="34" charset="0"/>
-              <a:cs typeface="Tahoma" panose="020B0604030504040204" pitchFamily="34" charset="0"/>
-            </a:endParaRPr>
-          </a:p>
-        </p:txBody>
-      </p:sp>
-      <p:sp>
-        <p:nvSpPr>
-          <p:cNvPr id="3" name="Titel 2">
-            <a:extLst>
-              <a:ext uri="{FF2B5EF4-FFF2-40B4-BE49-F238E27FC236}">
-                <a16:creationId xmlns:a16="http://schemas.microsoft.com/office/drawing/2014/main" id="{319D09E2-549A-4E2B-97D6-11193D5DCFDB}"/>
+                <a16:creationId xmlns:a16="http://schemas.microsoft.com/office/drawing/2014/main" id="{326D8E99-5425-4F89-A096-C38233A39EB3}"/>
               </a:ext>
             </a:extLst>
           </p:cNvPr>
@@ -4950,7 +4791,7 @@
                 <a:ea typeface="Open Sans"/>
                 <a:cs typeface="Open Sans"/>
               </a:rPr>
-              <a:t>Vorstellungsrunde</a:t>
+              <a:t>Was ist Docker und Alternativen</a:t>
             </a:r>
           </a:p>
         </p:txBody>
@@ -4960,7 +4801,7 @@
           <p:cNvPr id="5" name="Datumsplatzhalter 4">
             <a:extLst>
               <a:ext uri="{FF2B5EF4-FFF2-40B4-BE49-F238E27FC236}">
-                <a16:creationId xmlns:a16="http://schemas.microsoft.com/office/drawing/2014/main" id="{6833D5F9-15FA-49EF-A8F0-C2ECBD8D9C66}"/>
+                <a16:creationId xmlns:a16="http://schemas.microsoft.com/office/drawing/2014/main" id="{02B223BA-37E5-4EE1-BDE7-3A3B3293D3A5}"/>
               </a:ext>
             </a:extLst>
           </p:cNvPr>
@@ -4976,9 +4817,9 @@
           <a:bodyPr/>
           <a:lstStyle/>
           <a:p>
-            <a:fld id="{5C112017-8065-48DD-9B13-0C49ED4C96A2}" type="datetime1">
+            <a:fld id="{B1722270-58B7-41BA-BB6A-4E20E39C3FE8}" type="datetime1">
               <a:rPr lang="de-DE" smtClean="0"/>
-              <a:t>09.06.24</a:t>
+              <a:t>10.06.24</a:t>
             </a:fld>
             <a:endParaRPr lang="de-DE" dirty="0"/>
           </a:p>
@@ -4989,7 +4830,7 @@
           <p:cNvPr id="6" name="Fußzeilenplatzhalter 5">
             <a:extLst>
               <a:ext uri="{FF2B5EF4-FFF2-40B4-BE49-F238E27FC236}">
-                <a16:creationId xmlns:a16="http://schemas.microsoft.com/office/drawing/2014/main" id="{316C27A0-525F-4677-9F94-C8744EA3AA1C}"/>
+                <a16:creationId xmlns:a16="http://schemas.microsoft.com/office/drawing/2014/main" id="{D028ED4E-C937-4DD1-9116-EB8F1A858F42}"/>
               </a:ext>
             </a:extLst>
           </p:cNvPr>
@@ -5006,18 +4847,12 @@
           <a:lstStyle/>
           <a:p>
             <a:r>
-              <a:rPr lang="de-DE" sz="1100" dirty="0">
+              <a:rPr lang="de-DE" dirty="0">
                 <a:ea typeface="Open Sans"/>
                 <a:cs typeface="Open Sans"/>
               </a:rPr>
-              <a:t>Docker Crashkurs – Einführung</a:t>
-            </a:r>
-          </a:p>
-          <a:p>
-            <a:endParaRPr lang="de-DE" dirty="0">
-              <a:ea typeface="Open Sans"/>
-              <a:cs typeface="Open Sans"/>
-            </a:endParaRPr>
+              <a:t>Docker Crashkurs – Container einsetzen</a:t>
+            </a:r>
           </a:p>
         </p:txBody>
       </p:sp>
@@ -5026,7 +4861,7 @@
           <p:cNvPr id="7" name="Foliennummernplatzhalter 6">
             <a:extLst>
               <a:ext uri="{FF2B5EF4-FFF2-40B4-BE49-F238E27FC236}">
-                <a16:creationId xmlns:a16="http://schemas.microsoft.com/office/drawing/2014/main" id="{B297A42A-9540-4CFD-AA91-B980EA918459}"/>
+                <a16:creationId xmlns:a16="http://schemas.microsoft.com/office/drawing/2014/main" id="{EE57986B-1E91-47FF-9BE6-1E5ADB98B629}"/>
               </a:ext>
             </a:extLst>
           </p:cNvPr>
@@ -5046,157 +4881,6 @@
               <a:rPr lang="de-DE" smtClean="0"/>
               <a:pPr/>
               <a:t>3</a:t>
-            </a:fld>
-            <a:endParaRPr lang="de-DE" dirty="0"/>
-          </a:p>
-        </p:txBody>
-      </p:sp>
-    </p:spTree>
-    <p:extLst>
-      <p:ext uri="{BB962C8B-B14F-4D97-AF65-F5344CB8AC3E}">
-        <p14:creationId xmlns:p14="http://schemas.microsoft.com/office/powerpoint/2010/main" val="1533126684"/>
-      </p:ext>
-    </p:extLst>
-  </p:cSld>
-  <p:clrMapOvr>
-    <a:masterClrMapping/>
-  </p:clrMapOvr>
-</p:sld>
-</file>
-
-<file path=ppt/slides/slide4.xml><?xml version="1.0" encoding="utf-8"?>
-<p:sld xmlns:a="http://schemas.openxmlformats.org/drawingml/2006/main" xmlns:r="http://schemas.openxmlformats.org/officeDocument/2006/relationships" xmlns:p="http://schemas.openxmlformats.org/presentationml/2006/main">
-  <p:cSld>
-    <p:spTree>
-      <p:nvGrpSpPr>
-        <p:cNvPr id="1" name=""/>
-        <p:cNvGrpSpPr/>
-        <p:nvPr/>
-      </p:nvGrpSpPr>
-      <p:grpSpPr>
-        <a:xfrm>
-          <a:off x="0" y="0"/>
-          <a:ext cx="0" cy="0"/>
-          <a:chOff x="0" y="0"/>
-          <a:chExt cx="0" cy="0"/>
-        </a:xfrm>
-      </p:grpSpPr>
-      <p:sp>
-        <p:nvSpPr>
-          <p:cNvPr id="3" name="Titel 2">
-            <a:extLst>
-              <a:ext uri="{FF2B5EF4-FFF2-40B4-BE49-F238E27FC236}">
-                <a16:creationId xmlns:a16="http://schemas.microsoft.com/office/drawing/2014/main" id="{326D8E99-5425-4F89-A096-C38233A39EB3}"/>
-              </a:ext>
-            </a:extLst>
-          </p:cNvPr>
-          <p:cNvSpPr>
-            <a:spLocks noGrp="1"/>
-          </p:cNvSpPr>
-          <p:nvPr>
-            <p:ph type="title"/>
-          </p:nvPr>
-        </p:nvSpPr>
-        <p:spPr/>
-        <p:txBody>
-          <a:bodyPr/>
-          <a:lstStyle/>
-          <a:p>
-            <a:r>
-              <a:rPr lang="de-DE" dirty="0">
-                <a:ea typeface="Open Sans"/>
-                <a:cs typeface="Open Sans"/>
-              </a:rPr>
-              <a:t>Was ist Docker und Alternativen</a:t>
-            </a:r>
-          </a:p>
-        </p:txBody>
-      </p:sp>
-      <p:sp>
-        <p:nvSpPr>
-          <p:cNvPr id="5" name="Datumsplatzhalter 4">
-            <a:extLst>
-              <a:ext uri="{FF2B5EF4-FFF2-40B4-BE49-F238E27FC236}">
-                <a16:creationId xmlns:a16="http://schemas.microsoft.com/office/drawing/2014/main" id="{02B223BA-37E5-4EE1-BDE7-3A3B3293D3A5}"/>
-              </a:ext>
-            </a:extLst>
-          </p:cNvPr>
-          <p:cNvSpPr>
-            <a:spLocks noGrp="1"/>
-          </p:cNvSpPr>
-          <p:nvPr>
-            <p:ph type="dt" sz="half" idx="18"/>
-          </p:nvPr>
-        </p:nvSpPr>
-        <p:spPr/>
-        <p:txBody>
-          <a:bodyPr/>
-          <a:lstStyle/>
-          <a:p>
-            <a:fld id="{B1722270-58B7-41BA-BB6A-4E20E39C3FE8}" type="datetime1">
-              <a:rPr lang="de-DE" smtClean="0"/>
-              <a:t>09.06.24</a:t>
-            </a:fld>
-            <a:endParaRPr lang="de-DE" dirty="0"/>
-          </a:p>
-        </p:txBody>
-      </p:sp>
-      <p:sp>
-        <p:nvSpPr>
-          <p:cNvPr id="6" name="Fußzeilenplatzhalter 5">
-            <a:extLst>
-              <a:ext uri="{FF2B5EF4-FFF2-40B4-BE49-F238E27FC236}">
-                <a16:creationId xmlns:a16="http://schemas.microsoft.com/office/drawing/2014/main" id="{D028ED4E-C937-4DD1-9116-EB8F1A858F42}"/>
-              </a:ext>
-            </a:extLst>
-          </p:cNvPr>
-          <p:cNvSpPr>
-            <a:spLocks noGrp="1"/>
-          </p:cNvSpPr>
-          <p:nvPr>
-            <p:ph type="ftr" sz="quarter" idx="19"/>
-          </p:nvPr>
-        </p:nvSpPr>
-        <p:spPr/>
-        <p:txBody>
-          <a:bodyPr/>
-          <a:lstStyle/>
-          <a:p>
-            <a:r>
-              <a:rPr lang="de-DE" dirty="0">
-                <a:ea typeface="Open Sans"/>
-                <a:cs typeface="Open Sans"/>
-              </a:rPr>
-              <a:t>Docker Crashkurs – Container einsetzen</a:t>
-            </a:r>
-          </a:p>
-        </p:txBody>
-      </p:sp>
-      <p:sp>
-        <p:nvSpPr>
-          <p:cNvPr id="7" name="Foliennummernplatzhalter 6">
-            <a:extLst>
-              <a:ext uri="{FF2B5EF4-FFF2-40B4-BE49-F238E27FC236}">
-                <a16:creationId xmlns:a16="http://schemas.microsoft.com/office/drawing/2014/main" id="{EE57986B-1E91-47FF-9BE6-1E5ADB98B629}"/>
-              </a:ext>
-            </a:extLst>
-          </p:cNvPr>
-          <p:cNvSpPr>
-            <a:spLocks noGrp="1"/>
-          </p:cNvSpPr>
-          <p:nvPr>
-            <p:ph type="sldNum" sz="quarter" idx="20"/>
-          </p:nvPr>
-        </p:nvSpPr>
-        <p:spPr/>
-        <p:txBody>
-          <a:bodyPr/>
-          <a:lstStyle/>
-          <a:p>
-            <a:fld id="{E07F1749-2C29-4AD9-BF92-E70F8884412B}" type="slidenum">
-              <a:rPr lang="de-DE" smtClean="0"/>
-              <a:pPr/>
-              <a:t>4</a:t>
             </a:fld>
             <a:endParaRPr lang="de-DE" dirty="0"/>
           </a:p>
@@ -5433,7 +5117,7 @@
 </p:sld>
 </file>
 
-<file path=ppt/slides/slide5.xml><?xml version="1.0" encoding="utf-8"?>
+<file path=ppt/slides/slide4.xml><?xml version="1.0" encoding="utf-8"?>
 <p:sld xmlns:a="http://schemas.openxmlformats.org/drawingml/2006/main" xmlns:r="http://schemas.openxmlformats.org/officeDocument/2006/relationships" xmlns:p="http://schemas.openxmlformats.org/presentationml/2006/main">
   <p:cSld>
     <p:spTree>
@@ -5504,7 +5188,7 @@
           <a:p>
             <a:fld id="{B1722270-58B7-41BA-BB6A-4E20E39C3FE8}" type="datetime1">
               <a:rPr lang="de-DE" smtClean="0"/>
-              <a:t>09.06.24</a:t>
+              <a:t>10.06.24</a:t>
             </a:fld>
             <a:endParaRPr lang="de-DE" dirty="0"/>
           </a:p>
@@ -5565,7 +5249,7 @@
             <a:fld id="{E07F1749-2C29-4AD9-BF92-E70F8884412B}" type="slidenum">
               <a:rPr lang="de-DE" smtClean="0"/>
               <a:pPr/>
-              <a:t>5</a:t>
+              <a:t>4</a:t>
             </a:fld>
             <a:endParaRPr lang="de-DE" dirty="0"/>
           </a:p>
@@ -5586,7 +5270,7 @@
         <p:spPr>
           <a:xfrm>
             <a:off x="575998" y="3376188"/>
-            <a:ext cx="9648001" cy="2677656"/>
+            <a:ext cx="9648001" cy="2923877"/>
           </a:xfrm>
           <a:prstGeom prst="rect">
             <a:avLst/>
@@ -5766,6 +5450,20 @@
                 <a:cs typeface="Tahoma" panose="020B0604030504040204" pitchFamily="34" charset="0"/>
               </a:rPr>
               <a:t>Die Einrichtung für ein Service wird weniger kompliziert und besser zu handeln</a:t>
+            </a:r>
+          </a:p>
+          <a:p>
+            <a:pPr marL="285750" indent="-285750">
+              <a:buFont typeface="Arial" panose="020B0604020202020204" pitchFamily="34" charset="0"/>
+              <a:buChar char="•"/>
+            </a:pPr>
+            <a:r>
+              <a:rPr lang="de-DE" sz="1600" dirty="0">
+                <a:latin typeface="Tahoma" panose="020B0604030504040204" pitchFamily="34" charset="0"/>
+                <a:ea typeface="Tahoma" panose="020B0604030504040204" pitchFamily="34" charset="0"/>
+                <a:cs typeface="Tahoma" panose="020B0604030504040204" pitchFamily="34" charset="0"/>
+              </a:rPr>
+              <a:t>Umgebungen wie Produktion (Lokal)</a:t>
             </a:r>
           </a:p>
         </p:txBody>
@@ -5819,7 +5517,7 @@
 </p:sld>
 </file>
 
-<file path=ppt/slides/slide6.xml><?xml version="1.0" encoding="utf-8"?>
+<file path=ppt/slides/slide5.xml><?xml version="1.0" encoding="utf-8"?>
 <p:sld xmlns:a="http://schemas.openxmlformats.org/drawingml/2006/main" xmlns:r="http://schemas.openxmlformats.org/officeDocument/2006/relationships" xmlns:p="http://schemas.openxmlformats.org/presentationml/2006/main">
   <p:cSld>
     <p:spTree>
@@ -5890,7 +5588,7 @@
           <a:p>
             <a:fld id="{5C112017-8065-48DD-9B13-0C49ED4C96A2}" type="datetime1">
               <a:rPr lang="de-DE" smtClean="0"/>
-              <a:t>09.06.24</a:t>
+              <a:t>10.06.24</a:t>
             </a:fld>
             <a:endParaRPr lang="de-DE" dirty="0"/>
           </a:p>
@@ -5957,7 +5655,7 @@
             <a:fld id="{E07F1749-2C29-4AD9-BF92-E70F8884412B}" type="slidenum">
               <a:rPr lang="de-DE" smtClean="0"/>
               <a:pPr/>
-              <a:t>6</a:t>
+              <a:t>5</a:t>
             </a:fld>
             <a:endParaRPr lang="de-DE" dirty="0"/>
           </a:p>
@@ -6024,7 +5722,7 @@
 </p:sld>
 </file>
 
-<file path=ppt/slides/slide7.xml><?xml version="1.0" encoding="utf-8"?>
+<file path=ppt/slides/slide6.xml><?xml version="1.0" encoding="utf-8"?>
 <p:sld xmlns:a="http://schemas.openxmlformats.org/drawingml/2006/main" xmlns:r="http://schemas.openxmlformats.org/officeDocument/2006/relationships" xmlns:p="http://schemas.openxmlformats.org/presentationml/2006/main">
   <p:cSld>
     <p:spTree>
@@ -6095,7 +5793,7 @@
           <a:p>
             <a:fld id="{5C112017-8065-48DD-9B13-0C49ED4C96A2}" type="datetime1">
               <a:rPr lang="de-DE" smtClean="0"/>
-              <a:t>09.06.24</a:t>
+              <a:t>10.06.24</a:t>
             </a:fld>
             <a:endParaRPr lang="de-DE" dirty="0"/>
           </a:p>
@@ -6162,7 +5860,7 @@
             <a:fld id="{E07F1749-2C29-4AD9-BF92-E70F8884412B}" type="slidenum">
               <a:rPr lang="de-DE" smtClean="0"/>
               <a:pPr/>
-              <a:t>7</a:t>
+              <a:t>6</a:t>
             </a:fld>
             <a:endParaRPr lang="de-DE" dirty="0"/>
           </a:p>
@@ -6988,6 +6686,442 @@
 </p:sld>
 </file>
 
+<file path=ppt/slides/slide7.xml><?xml version="1.0" encoding="utf-8"?>
+<p:sld xmlns:a="http://schemas.openxmlformats.org/drawingml/2006/main" xmlns:r="http://schemas.openxmlformats.org/officeDocument/2006/relationships" xmlns:p="http://schemas.openxmlformats.org/presentationml/2006/main">
+  <p:cSld>
+    <p:spTree>
+      <p:nvGrpSpPr>
+        <p:cNvPr id="1" name=""/>
+        <p:cNvGrpSpPr/>
+        <p:nvPr/>
+      </p:nvGrpSpPr>
+      <p:grpSpPr>
+        <a:xfrm>
+          <a:off x="0" y="0"/>
+          <a:ext cx="0" cy="0"/>
+          <a:chOff x="0" y="0"/>
+          <a:chExt cx="0" cy="0"/>
+        </a:xfrm>
+      </p:grpSpPr>
+      <p:sp>
+        <p:nvSpPr>
+          <p:cNvPr id="2" name="Inhaltsplatzhalter 1">
+            <a:extLst>
+              <a:ext uri="{FF2B5EF4-FFF2-40B4-BE49-F238E27FC236}">
+                <a16:creationId xmlns:a16="http://schemas.microsoft.com/office/drawing/2014/main" id="{718B2A40-6BC9-1B0F-9850-D8C61C160AF1}"/>
+              </a:ext>
+            </a:extLst>
+          </p:cNvPr>
+          <p:cNvSpPr>
+            <a:spLocks noGrp="1"/>
+          </p:cNvSpPr>
+          <p:nvPr>
+            <p:ph sz="quarter" idx="13"/>
+          </p:nvPr>
+        </p:nvSpPr>
+        <p:spPr>
+          <a:xfrm>
+            <a:off x="579641" y="1157069"/>
+            <a:ext cx="8784531" cy="4681538"/>
+          </a:xfrm>
+        </p:spPr>
+        <p:txBody>
+          <a:bodyPr/>
+          <a:lstStyle/>
+          <a:p>
+            <a:pPr marL="285750" indent="-285750">
+              <a:buFontTx/>
+              <a:buChar char="-"/>
+            </a:pPr>
+            <a:r>
+              <a:rPr lang="de-DE" sz="1600" b="0" dirty="0">
+                <a:latin typeface="Tahoma" panose="020B0604030504040204" pitchFamily="34" charset="0"/>
+                <a:ea typeface="Tahoma" panose="020B0604030504040204" pitchFamily="34" charset="0"/>
+                <a:cs typeface="Tahoma" panose="020B0604030504040204" pitchFamily="34" charset="0"/>
+              </a:rPr>
+              <a:t>Informationen über eine ganze Umgebung bereitstellen</a:t>
+            </a:r>
+          </a:p>
+          <a:p>
+            <a:pPr marL="285750" indent="-285750">
+              <a:buFontTx/>
+              <a:buChar char="-"/>
+            </a:pPr>
+            <a:r>
+              <a:rPr lang="de-DE" sz="1600" b="0" dirty="0">
+                <a:latin typeface="Tahoma" panose="020B0604030504040204" pitchFamily="34" charset="0"/>
+                <a:ea typeface="Tahoma" panose="020B0604030504040204" pitchFamily="34" charset="0"/>
+                <a:cs typeface="Tahoma" panose="020B0604030504040204" pitchFamily="34" charset="0"/>
+              </a:rPr>
+              <a:t>Jeder Prozess kann darauf zugreifen</a:t>
+            </a:r>
+          </a:p>
+          <a:p>
+            <a:pPr marL="285750" indent="-285750">
+              <a:buFontTx/>
+              <a:buChar char="-"/>
+            </a:pPr>
+            <a:r>
+              <a:rPr lang="de-DE" sz="1600" b="0" dirty="0">
+                <a:latin typeface="Tahoma" panose="020B0604030504040204" pitchFamily="34" charset="0"/>
+                <a:ea typeface="Tahoma" panose="020B0604030504040204" pitchFamily="34" charset="0"/>
+                <a:cs typeface="Tahoma" panose="020B0604030504040204" pitchFamily="34" charset="0"/>
+              </a:rPr>
+              <a:t>Sind einsehbar unter „</a:t>
+            </a:r>
+            <a:r>
+              <a:rPr lang="de-DE" sz="1600" b="0" dirty="0" err="1">
+                <a:latin typeface="Tahoma" panose="020B0604030504040204" pitchFamily="34" charset="0"/>
+                <a:ea typeface="Tahoma" panose="020B0604030504040204" pitchFamily="34" charset="0"/>
+                <a:cs typeface="Tahoma" panose="020B0604030504040204" pitchFamily="34" charset="0"/>
+              </a:rPr>
+              <a:t>env</a:t>
+            </a:r>
+            <a:r>
+              <a:rPr lang="de-DE" sz="1600" b="0" dirty="0">
+                <a:latin typeface="Tahoma" panose="020B0604030504040204" pitchFamily="34" charset="0"/>
+                <a:ea typeface="Tahoma" panose="020B0604030504040204" pitchFamily="34" charset="0"/>
+                <a:cs typeface="Tahoma" panose="020B0604030504040204" pitchFamily="34" charset="0"/>
+              </a:rPr>
+              <a:t>“</a:t>
+            </a:r>
+          </a:p>
+          <a:p>
+            <a:pPr marL="285750" indent="-285750">
+              <a:buFontTx/>
+              <a:buChar char="-"/>
+            </a:pPr>
+            <a:r>
+              <a:rPr lang="de-DE" sz="1600" b="0" dirty="0">
+                <a:latin typeface="Tahoma" panose="020B0604030504040204" pitchFamily="34" charset="0"/>
+                <a:ea typeface="Tahoma" panose="020B0604030504040204" pitchFamily="34" charset="0"/>
+                <a:cs typeface="Tahoma" panose="020B0604030504040204" pitchFamily="34" charset="0"/>
+              </a:rPr>
+              <a:t>Umgebungsvariablen kann man mit dem Befehl „echo“ ausgeben</a:t>
+            </a:r>
+          </a:p>
+          <a:p>
+            <a:pPr marL="717750" lvl="3" indent="-285750">
+              <a:buFontTx/>
+              <a:buChar char="-"/>
+            </a:pPr>
+            <a:r>
+              <a:rPr lang="de-DE" sz="1400" dirty="0">
+                <a:latin typeface="Miriam Fixed" panose="020B0509050101010101" pitchFamily="49" charset="-79"/>
+                <a:ea typeface="Tahoma" panose="020B0604030504040204" pitchFamily="34" charset="0"/>
+                <a:cs typeface="Miriam Fixed" panose="020B0509050101010101" pitchFamily="49" charset="-79"/>
+              </a:rPr>
+              <a:t>echo $PATH</a:t>
+            </a:r>
+          </a:p>
+          <a:p>
+            <a:pPr marL="717750" lvl="3" indent="-285750">
+              <a:buFontTx/>
+              <a:buChar char="-"/>
+            </a:pPr>
+            <a:r>
+              <a:rPr lang="de-DE" sz="1400" dirty="0">
+                <a:latin typeface="Miriam Fixed" panose="020B0509050101010101" pitchFamily="49" charset="-79"/>
+                <a:ea typeface="Tahoma" panose="020B0604030504040204" pitchFamily="34" charset="0"/>
+                <a:cs typeface="Miriam Fixed" panose="020B0509050101010101" pitchFamily="49" charset="-79"/>
+              </a:rPr>
+              <a:t>echo $HOME</a:t>
+            </a:r>
+          </a:p>
+          <a:p>
+            <a:pPr marL="717750" lvl="3" indent="-285750">
+              <a:buFontTx/>
+              <a:buChar char="-"/>
+            </a:pPr>
+            <a:r>
+              <a:rPr lang="de-DE" sz="1400" dirty="0">
+                <a:latin typeface="Miriam Fixed" panose="020B0509050101010101" pitchFamily="49" charset="-79"/>
+                <a:ea typeface="Tahoma" panose="020B0604030504040204" pitchFamily="34" charset="0"/>
+                <a:cs typeface="Miriam Fixed" panose="020B0509050101010101" pitchFamily="49" charset="-79"/>
+              </a:rPr>
+              <a:t>echo $USER</a:t>
+            </a:r>
+          </a:p>
+          <a:p>
+            <a:pPr marL="285750" lvl="1" indent="-285750">
+              <a:buFontTx/>
+              <a:buChar char="-"/>
+            </a:pPr>
+            <a:r>
+              <a:rPr lang="de-DE" sz="1600" dirty="0">
+                <a:latin typeface="Tahoma" panose="020B0604030504040204" pitchFamily="34" charset="0"/>
+                <a:ea typeface="Tahoma" panose="020B0604030504040204" pitchFamily="34" charset="0"/>
+                <a:cs typeface="Tahoma" panose="020B0604030504040204" pitchFamily="34" charset="0"/>
+              </a:rPr>
+              <a:t>Umgebungsvariablen kann man auch in ein Skript rein </a:t>
+            </a:r>
+            <a:r>
+              <a:rPr lang="de-DE" sz="1600" dirty="0" err="1">
+                <a:latin typeface="Tahoma" panose="020B0604030504040204" pitchFamily="34" charset="0"/>
+                <a:ea typeface="Tahoma" panose="020B0604030504040204" pitchFamily="34" charset="0"/>
+                <a:cs typeface="Tahoma" panose="020B0604030504040204" pitchFamily="34" charset="0"/>
+              </a:rPr>
+              <a:t>pipen</a:t>
+            </a:r>
+            <a:endParaRPr lang="de-DE" sz="1600" dirty="0">
+              <a:latin typeface="Tahoma" panose="020B0604030504040204" pitchFamily="34" charset="0"/>
+              <a:ea typeface="Tahoma" panose="020B0604030504040204" pitchFamily="34" charset="0"/>
+              <a:cs typeface="Tahoma" panose="020B0604030504040204" pitchFamily="34" charset="0"/>
+            </a:endParaRPr>
+          </a:p>
+          <a:p>
+            <a:pPr marL="717750" lvl="3" indent="-285750">
+              <a:buFontTx/>
+              <a:buChar char="-"/>
+            </a:pPr>
+            <a:r>
+              <a:rPr lang="de-DE" sz="1400" dirty="0">
+                <a:latin typeface="Miriam Fixed" panose="020B0509050101010101" pitchFamily="49" charset="-79"/>
+                <a:ea typeface="MS Mincho" panose="02020609040205080304" pitchFamily="49" charset="-128"/>
+                <a:cs typeface="Miriam Fixed" panose="020B0509050101010101" pitchFamily="49" charset="-79"/>
+              </a:rPr>
+              <a:t>echo $KONFIG | </a:t>
+            </a:r>
+            <a:r>
+              <a:rPr lang="de-DE" sz="1400" dirty="0" err="1">
+                <a:latin typeface="Miriam Fixed" panose="020B0509050101010101" pitchFamily="49" charset="-79"/>
+                <a:ea typeface="MS Mincho" panose="02020609040205080304" pitchFamily="49" charset="-128"/>
+                <a:cs typeface="Miriam Fixed" panose="020B0509050101010101" pitchFamily="49" charset="-79"/>
+              </a:rPr>
+              <a:t>read</a:t>
+            </a:r>
+            <a:r>
+              <a:rPr lang="de-DE" sz="1400" dirty="0">
+                <a:latin typeface="Miriam Fixed" panose="020B0509050101010101" pitchFamily="49" charset="-79"/>
+                <a:ea typeface="MS Mincho" panose="02020609040205080304" pitchFamily="49" charset="-128"/>
+                <a:cs typeface="Miriam Fixed" panose="020B0509050101010101" pitchFamily="49" charset="-79"/>
+              </a:rPr>
+              <a:t> </a:t>
+            </a:r>
+            <a:r>
+              <a:rPr lang="de-DE" sz="1400" dirty="0" err="1">
+                <a:latin typeface="Miriam Fixed" panose="020B0509050101010101" pitchFamily="49" charset="-79"/>
+                <a:ea typeface="MS Mincho" panose="02020609040205080304" pitchFamily="49" charset="-128"/>
+                <a:cs typeface="Miriam Fixed" panose="020B0509050101010101" pitchFamily="49" charset="-79"/>
+              </a:rPr>
+              <a:t>konfig</a:t>
+            </a:r>
+            <a:r>
+              <a:rPr lang="de-DE" sz="1400" dirty="0">
+                <a:latin typeface="Miriam Fixed" panose="020B0509050101010101" pitchFamily="49" charset="-79"/>
+                <a:ea typeface="MS Mincho" panose="02020609040205080304" pitchFamily="49" charset="-128"/>
+                <a:cs typeface="Miriam Fixed" panose="020B0509050101010101" pitchFamily="49" charset="-79"/>
+              </a:rPr>
+              <a:t> &amp;&amp; echo $</a:t>
+            </a:r>
+            <a:r>
+              <a:rPr lang="de-DE" sz="1400" dirty="0" err="1">
+                <a:latin typeface="Miriam Fixed" panose="020B0509050101010101" pitchFamily="49" charset="-79"/>
+                <a:ea typeface="MS Mincho" panose="02020609040205080304" pitchFamily="49" charset="-128"/>
+                <a:cs typeface="Miriam Fixed" panose="020B0509050101010101" pitchFamily="49" charset="-79"/>
+              </a:rPr>
+              <a:t>konfig</a:t>
+            </a:r>
+            <a:endParaRPr lang="de-DE" sz="1400" dirty="0">
+              <a:latin typeface="Miriam Fixed" panose="020B0509050101010101" pitchFamily="49" charset="-79"/>
+              <a:ea typeface="MS Mincho" panose="02020609040205080304" pitchFamily="49" charset="-128"/>
+              <a:cs typeface="Miriam Fixed" panose="020B0509050101010101" pitchFamily="49" charset="-79"/>
+            </a:endParaRPr>
+          </a:p>
+          <a:p>
+            <a:pPr marL="285750" lvl="1" indent="-285750">
+              <a:buFontTx/>
+              <a:buChar char="-"/>
+            </a:pPr>
+            <a:r>
+              <a:rPr lang="de-DE" sz="1600" dirty="0">
+                <a:latin typeface="Tahoma" panose="020B0604030504040204" pitchFamily="34" charset="0"/>
+                <a:ea typeface="Tahoma" panose="020B0604030504040204" pitchFamily="34" charset="0"/>
+                <a:cs typeface="Tahoma" panose="020B0604030504040204" pitchFamily="34" charset="0"/>
+              </a:rPr>
+              <a:t>Userspezifische Variablen definieren (Persistent)</a:t>
+            </a:r>
+          </a:p>
+          <a:p>
+            <a:pPr marL="717750" lvl="3" indent="-285750">
+              <a:buFontTx/>
+              <a:buChar char="-"/>
+            </a:pPr>
+            <a:r>
+              <a:rPr lang="de-DE" sz="1400" dirty="0">
+                <a:latin typeface="Miriam Fixed" panose="020B0509050101010101" pitchFamily="49" charset="-79"/>
+                <a:ea typeface="MS Mincho" panose="02020609040205080304" pitchFamily="49" charset="-128"/>
+                <a:cs typeface="Miriam Fixed" panose="020B0509050101010101" pitchFamily="49" charset="-79"/>
+              </a:rPr>
+              <a:t>~/.</a:t>
+            </a:r>
+            <a:r>
+              <a:rPr lang="de-DE" sz="1400" dirty="0" err="1">
+                <a:latin typeface="Miriam Fixed" panose="020B0509050101010101" pitchFamily="49" charset="-79"/>
+                <a:ea typeface="MS Mincho" panose="02020609040205080304" pitchFamily="49" charset="-128"/>
+                <a:cs typeface="Miriam Fixed" panose="020B0509050101010101" pitchFamily="49" charset="-79"/>
+              </a:rPr>
+              <a:t>bashrc</a:t>
+            </a:r>
+            <a:endParaRPr lang="de-DE" sz="1400" dirty="0">
+              <a:latin typeface="Miriam Fixed" panose="020B0509050101010101" pitchFamily="49" charset="-79"/>
+              <a:ea typeface="MS Mincho" panose="02020609040205080304" pitchFamily="49" charset="-128"/>
+              <a:cs typeface="Miriam Fixed" panose="020B0509050101010101" pitchFamily="49" charset="-79"/>
+            </a:endParaRPr>
+          </a:p>
+          <a:p>
+            <a:pPr marL="933750" lvl="4" indent="-285750">
+              <a:buFontTx/>
+              <a:buChar char="-"/>
+            </a:pPr>
+            <a:r>
+              <a:rPr lang="de-DE" sz="1200" dirty="0" err="1">
+                <a:latin typeface="Miriam Fixed" panose="020B0509050101010101" pitchFamily="49" charset="-79"/>
+                <a:ea typeface="MS Mincho" panose="02020609040205080304" pitchFamily="49" charset="-128"/>
+                <a:cs typeface="Miriam Fixed" panose="020B0509050101010101" pitchFamily="49" charset="-79"/>
+              </a:rPr>
+              <a:t>export</a:t>
+            </a:r>
+            <a:r>
+              <a:rPr lang="de-DE" sz="1200" dirty="0">
+                <a:latin typeface="Miriam Fixed" panose="020B0509050101010101" pitchFamily="49" charset="-79"/>
+                <a:ea typeface="MS Mincho" panose="02020609040205080304" pitchFamily="49" charset="-128"/>
+                <a:cs typeface="Miriam Fixed" panose="020B0509050101010101" pitchFamily="49" charset="-79"/>
+              </a:rPr>
+              <a:t> variable_1=super</a:t>
+            </a:r>
+          </a:p>
+        </p:txBody>
+      </p:sp>
+      <p:sp>
+        <p:nvSpPr>
+          <p:cNvPr id="3" name="Titel 2">
+            <a:extLst>
+              <a:ext uri="{FF2B5EF4-FFF2-40B4-BE49-F238E27FC236}">
+                <a16:creationId xmlns:a16="http://schemas.microsoft.com/office/drawing/2014/main" id="{6E412052-EBAC-E7CB-2F9E-11F5C929680A}"/>
+              </a:ext>
+            </a:extLst>
+          </p:cNvPr>
+          <p:cNvSpPr>
+            <a:spLocks noGrp="1"/>
+          </p:cNvSpPr>
+          <p:nvPr>
+            <p:ph type="title"/>
+          </p:nvPr>
+        </p:nvSpPr>
+        <p:spPr/>
+        <p:txBody>
+          <a:bodyPr/>
+          <a:lstStyle/>
+          <a:p>
+            <a:r>
+              <a:rPr lang="de-DE" dirty="0">
+                <a:ea typeface="Open Sans"/>
+                <a:cs typeface="Open Sans"/>
+              </a:rPr>
+              <a:t>Linux Grundlagen - Umgebungsvariablen</a:t>
+            </a:r>
+            <a:endParaRPr lang="de-DE" dirty="0"/>
+          </a:p>
+        </p:txBody>
+      </p:sp>
+      <p:sp>
+        <p:nvSpPr>
+          <p:cNvPr id="5" name="Datumsplatzhalter 4">
+            <a:extLst>
+              <a:ext uri="{FF2B5EF4-FFF2-40B4-BE49-F238E27FC236}">
+                <a16:creationId xmlns:a16="http://schemas.microsoft.com/office/drawing/2014/main" id="{7B105CE0-3AB5-4D53-BA26-064A618D84EC}"/>
+              </a:ext>
+            </a:extLst>
+          </p:cNvPr>
+          <p:cNvSpPr>
+            <a:spLocks noGrp="1"/>
+          </p:cNvSpPr>
+          <p:nvPr>
+            <p:ph type="dt" sz="half" idx="18"/>
+          </p:nvPr>
+        </p:nvSpPr>
+        <p:spPr/>
+        <p:txBody>
+          <a:bodyPr/>
+          <a:lstStyle/>
+          <a:p>
+            <a:fld id="{5C112017-8065-48DD-9B13-0C49ED4C96A2}" type="datetime1">
+              <a:rPr lang="de-DE" smtClean="0"/>
+              <a:t>10.06.24</a:t>
+            </a:fld>
+            <a:endParaRPr lang="de-DE" dirty="0"/>
+          </a:p>
+        </p:txBody>
+      </p:sp>
+      <p:sp>
+        <p:nvSpPr>
+          <p:cNvPr id="6" name="Fußzeilenplatzhalter 5">
+            <a:extLst>
+              <a:ext uri="{FF2B5EF4-FFF2-40B4-BE49-F238E27FC236}">
+                <a16:creationId xmlns:a16="http://schemas.microsoft.com/office/drawing/2014/main" id="{0314610A-D010-8C83-5860-B782D64F4471}"/>
+              </a:ext>
+            </a:extLst>
+          </p:cNvPr>
+          <p:cNvSpPr>
+            <a:spLocks noGrp="1"/>
+          </p:cNvSpPr>
+          <p:nvPr>
+            <p:ph type="ftr" sz="quarter" idx="19"/>
+          </p:nvPr>
+        </p:nvSpPr>
+        <p:spPr/>
+        <p:txBody>
+          <a:bodyPr/>
+          <a:lstStyle/>
+          <a:p>
+            <a:endParaRPr lang="de-DE" dirty="0"/>
+          </a:p>
+        </p:txBody>
+      </p:sp>
+      <p:sp>
+        <p:nvSpPr>
+          <p:cNvPr id="7" name="Foliennummernplatzhalter 6">
+            <a:extLst>
+              <a:ext uri="{FF2B5EF4-FFF2-40B4-BE49-F238E27FC236}">
+                <a16:creationId xmlns:a16="http://schemas.microsoft.com/office/drawing/2014/main" id="{9436EE97-DA31-7001-F415-93C28493F0E4}"/>
+              </a:ext>
+            </a:extLst>
+          </p:cNvPr>
+          <p:cNvSpPr>
+            <a:spLocks noGrp="1"/>
+          </p:cNvSpPr>
+          <p:nvPr>
+            <p:ph type="sldNum" sz="quarter" idx="20"/>
+          </p:nvPr>
+        </p:nvSpPr>
+        <p:spPr/>
+        <p:txBody>
+          <a:bodyPr/>
+          <a:lstStyle/>
+          <a:p>
+            <a:fld id="{E07F1749-2C29-4AD9-BF92-E70F8884412B}" type="slidenum">
+              <a:rPr lang="de-DE" smtClean="0"/>
+              <a:pPr/>
+              <a:t>7</a:t>
+            </a:fld>
+            <a:endParaRPr lang="de-DE" dirty="0"/>
+          </a:p>
+        </p:txBody>
+      </p:sp>
+    </p:spTree>
+    <p:extLst>
+      <p:ext uri="{BB962C8B-B14F-4D97-AF65-F5344CB8AC3E}">
+        <p14:creationId xmlns:p14="http://schemas.microsoft.com/office/powerpoint/2010/main" val="1979689811"/>
+      </p:ext>
+    </p:extLst>
+  </p:cSld>
+  <p:clrMapOvr>
+    <a:masterClrMapping/>
+  </p:clrMapOvr>
+</p:sld>
+</file>
+
 <file path=ppt/slides/slide8.xml><?xml version="1.0" encoding="utf-8"?>
 <p:sld xmlns:a="http://schemas.openxmlformats.org/drawingml/2006/main" xmlns:r="http://schemas.openxmlformats.org/officeDocument/2006/relationships" xmlns:p="http://schemas.openxmlformats.org/presentationml/2006/main">
   <p:cSld>
@@ -7031,442 +7165,6 @@
           <a:bodyPr/>
           <a:lstStyle/>
           <a:p>
-            <a:pPr marL="285750" indent="-285750">
-              <a:buFontTx/>
-              <a:buChar char="-"/>
-            </a:pPr>
-            <a:r>
-              <a:rPr lang="de-DE" sz="1600" b="0" dirty="0">
-                <a:latin typeface="Tahoma" panose="020B0604030504040204" pitchFamily="34" charset="0"/>
-                <a:ea typeface="Tahoma" panose="020B0604030504040204" pitchFamily="34" charset="0"/>
-                <a:cs typeface="Tahoma" panose="020B0604030504040204" pitchFamily="34" charset="0"/>
-              </a:rPr>
-              <a:t>Informationen über eine ganze Umgebung bereitstellen</a:t>
-            </a:r>
-          </a:p>
-          <a:p>
-            <a:pPr marL="285750" indent="-285750">
-              <a:buFontTx/>
-              <a:buChar char="-"/>
-            </a:pPr>
-            <a:r>
-              <a:rPr lang="de-DE" sz="1600" b="0" dirty="0">
-                <a:latin typeface="Tahoma" panose="020B0604030504040204" pitchFamily="34" charset="0"/>
-                <a:ea typeface="Tahoma" panose="020B0604030504040204" pitchFamily="34" charset="0"/>
-                <a:cs typeface="Tahoma" panose="020B0604030504040204" pitchFamily="34" charset="0"/>
-              </a:rPr>
-              <a:t>Jeder Prozess kann darauf zugreifen</a:t>
-            </a:r>
-          </a:p>
-          <a:p>
-            <a:pPr marL="285750" indent="-285750">
-              <a:buFontTx/>
-              <a:buChar char="-"/>
-            </a:pPr>
-            <a:r>
-              <a:rPr lang="de-DE" sz="1600" b="0" dirty="0">
-                <a:latin typeface="Tahoma" panose="020B0604030504040204" pitchFamily="34" charset="0"/>
-                <a:ea typeface="Tahoma" panose="020B0604030504040204" pitchFamily="34" charset="0"/>
-                <a:cs typeface="Tahoma" panose="020B0604030504040204" pitchFamily="34" charset="0"/>
-              </a:rPr>
-              <a:t>Sind einsehbar unter „</a:t>
-            </a:r>
-            <a:r>
-              <a:rPr lang="de-DE" sz="1600" b="0" dirty="0" err="1">
-                <a:latin typeface="Tahoma" panose="020B0604030504040204" pitchFamily="34" charset="0"/>
-                <a:ea typeface="Tahoma" panose="020B0604030504040204" pitchFamily="34" charset="0"/>
-                <a:cs typeface="Tahoma" panose="020B0604030504040204" pitchFamily="34" charset="0"/>
-              </a:rPr>
-              <a:t>env</a:t>
-            </a:r>
-            <a:r>
-              <a:rPr lang="de-DE" sz="1600" b="0" dirty="0">
-                <a:latin typeface="Tahoma" panose="020B0604030504040204" pitchFamily="34" charset="0"/>
-                <a:ea typeface="Tahoma" panose="020B0604030504040204" pitchFamily="34" charset="0"/>
-                <a:cs typeface="Tahoma" panose="020B0604030504040204" pitchFamily="34" charset="0"/>
-              </a:rPr>
-              <a:t>“</a:t>
-            </a:r>
-          </a:p>
-          <a:p>
-            <a:pPr marL="285750" indent="-285750">
-              <a:buFontTx/>
-              <a:buChar char="-"/>
-            </a:pPr>
-            <a:r>
-              <a:rPr lang="de-DE" sz="1600" b="0" dirty="0">
-                <a:latin typeface="Tahoma" panose="020B0604030504040204" pitchFamily="34" charset="0"/>
-                <a:ea typeface="Tahoma" panose="020B0604030504040204" pitchFamily="34" charset="0"/>
-                <a:cs typeface="Tahoma" panose="020B0604030504040204" pitchFamily="34" charset="0"/>
-              </a:rPr>
-              <a:t>Umgebungsvariablen kann man mit dem Befehl „echo“ ausgeben</a:t>
-            </a:r>
-          </a:p>
-          <a:p>
-            <a:pPr marL="717750" lvl="3" indent="-285750">
-              <a:buFontTx/>
-              <a:buChar char="-"/>
-            </a:pPr>
-            <a:r>
-              <a:rPr lang="de-DE" sz="1400" dirty="0">
-                <a:latin typeface="Miriam Fixed" panose="020B0509050101010101" pitchFamily="49" charset="-79"/>
-                <a:ea typeface="Tahoma" panose="020B0604030504040204" pitchFamily="34" charset="0"/>
-                <a:cs typeface="Miriam Fixed" panose="020B0509050101010101" pitchFamily="49" charset="-79"/>
-              </a:rPr>
-              <a:t>echo $PATH</a:t>
-            </a:r>
-          </a:p>
-          <a:p>
-            <a:pPr marL="717750" lvl="3" indent="-285750">
-              <a:buFontTx/>
-              <a:buChar char="-"/>
-            </a:pPr>
-            <a:r>
-              <a:rPr lang="de-DE" sz="1400" dirty="0">
-                <a:latin typeface="Miriam Fixed" panose="020B0509050101010101" pitchFamily="49" charset="-79"/>
-                <a:ea typeface="Tahoma" panose="020B0604030504040204" pitchFamily="34" charset="0"/>
-                <a:cs typeface="Miriam Fixed" panose="020B0509050101010101" pitchFamily="49" charset="-79"/>
-              </a:rPr>
-              <a:t>echo $HOME</a:t>
-            </a:r>
-          </a:p>
-          <a:p>
-            <a:pPr marL="717750" lvl="3" indent="-285750">
-              <a:buFontTx/>
-              <a:buChar char="-"/>
-            </a:pPr>
-            <a:r>
-              <a:rPr lang="de-DE" sz="1400" dirty="0">
-                <a:latin typeface="Miriam Fixed" panose="020B0509050101010101" pitchFamily="49" charset="-79"/>
-                <a:ea typeface="Tahoma" panose="020B0604030504040204" pitchFamily="34" charset="0"/>
-                <a:cs typeface="Miriam Fixed" panose="020B0509050101010101" pitchFamily="49" charset="-79"/>
-              </a:rPr>
-              <a:t>echo $USER</a:t>
-            </a:r>
-          </a:p>
-          <a:p>
-            <a:pPr marL="285750" lvl="1" indent="-285750">
-              <a:buFontTx/>
-              <a:buChar char="-"/>
-            </a:pPr>
-            <a:r>
-              <a:rPr lang="de-DE" sz="1600" dirty="0">
-                <a:latin typeface="Tahoma" panose="020B0604030504040204" pitchFamily="34" charset="0"/>
-                <a:ea typeface="Tahoma" panose="020B0604030504040204" pitchFamily="34" charset="0"/>
-                <a:cs typeface="Tahoma" panose="020B0604030504040204" pitchFamily="34" charset="0"/>
-              </a:rPr>
-              <a:t>Umgebungsvariablen kann man auch in ein Skript rein </a:t>
-            </a:r>
-            <a:r>
-              <a:rPr lang="de-DE" sz="1600" dirty="0" err="1">
-                <a:latin typeface="Tahoma" panose="020B0604030504040204" pitchFamily="34" charset="0"/>
-                <a:ea typeface="Tahoma" panose="020B0604030504040204" pitchFamily="34" charset="0"/>
-                <a:cs typeface="Tahoma" panose="020B0604030504040204" pitchFamily="34" charset="0"/>
-              </a:rPr>
-              <a:t>pipen</a:t>
-            </a:r>
-            <a:endParaRPr lang="de-DE" sz="1600" dirty="0">
-              <a:latin typeface="Tahoma" panose="020B0604030504040204" pitchFamily="34" charset="0"/>
-              <a:ea typeface="Tahoma" panose="020B0604030504040204" pitchFamily="34" charset="0"/>
-              <a:cs typeface="Tahoma" panose="020B0604030504040204" pitchFamily="34" charset="0"/>
-            </a:endParaRPr>
-          </a:p>
-          <a:p>
-            <a:pPr marL="717750" lvl="3" indent="-285750">
-              <a:buFontTx/>
-              <a:buChar char="-"/>
-            </a:pPr>
-            <a:r>
-              <a:rPr lang="de-DE" sz="1400" dirty="0">
-                <a:latin typeface="Miriam Fixed" panose="020B0509050101010101" pitchFamily="49" charset="-79"/>
-                <a:ea typeface="MS Mincho" panose="02020609040205080304" pitchFamily="49" charset="-128"/>
-                <a:cs typeface="Miriam Fixed" panose="020B0509050101010101" pitchFamily="49" charset="-79"/>
-              </a:rPr>
-              <a:t>echo $KONFIG | </a:t>
-            </a:r>
-            <a:r>
-              <a:rPr lang="de-DE" sz="1400" dirty="0" err="1">
-                <a:latin typeface="Miriam Fixed" panose="020B0509050101010101" pitchFamily="49" charset="-79"/>
-                <a:ea typeface="MS Mincho" panose="02020609040205080304" pitchFamily="49" charset="-128"/>
-                <a:cs typeface="Miriam Fixed" panose="020B0509050101010101" pitchFamily="49" charset="-79"/>
-              </a:rPr>
-              <a:t>read</a:t>
-            </a:r>
-            <a:r>
-              <a:rPr lang="de-DE" sz="1400" dirty="0">
-                <a:latin typeface="Miriam Fixed" panose="020B0509050101010101" pitchFamily="49" charset="-79"/>
-                <a:ea typeface="MS Mincho" panose="02020609040205080304" pitchFamily="49" charset="-128"/>
-                <a:cs typeface="Miriam Fixed" panose="020B0509050101010101" pitchFamily="49" charset="-79"/>
-              </a:rPr>
-              <a:t> </a:t>
-            </a:r>
-            <a:r>
-              <a:rPr lang="de-DE" sz="1400" dirty="0" err="1">
-                <a:latin typeface="Miriam Fixed" panose="020B0509050101010101" pitchFamily="49" charset="-79"/>
-                <a:ea typeface="MS Mincho" panose="02020609040205080304" pitchFamily="49" charset="-128"/>
-                <a:cs typeface="Miriam Fixed" panose="020B0509050101010101" pitchFamily="49" charset="-79"/>
-              </a:rPr>
-              <a:t>konfig</a:t>
-            </a:r>
-            <a:r>
-              <a:rPr lang="de-DE" sz="1400" dirty="0">
-                <a:latin typeface="Miriam Fixed" panose="020B0509050101010101" pitchFamily="49" charset="-79"/>
-                <a:ea typeface="MS Mincho" panose="02020609040205080304" pitchFamily="49" charset="-128"/>
-                <a:cs typeface="Miriam Fixed" panose="020B0509050101010101" pitchFamily="49" charset="-79"/>
-              </a:rPr>
-              <a:t> &amp;&amp; echo $</a:t>
-            </a:r>
-            <a:r>
-              <a:rPr lang="de-DE" sz="1400" dirty="0" err="1">
-                <a:latin typeface="Miriam Fixed" panose="020B0509050101010101" pitchFamily="49" charset="-79"/>
-                <a:ea typeface="MS Mincho" panose="02020609040205080304" pitchFamily="49" charset="-128"/>
-                <a:cs typeface="Miriam Fixed" panose="020B0509050101010101" pitchFamily="49" charset="-79"/>
-              </a:rPr>
-              <a:t>konfig</a:t>
-            </a:r>
-            <a:endParaRPr lang="de-DE" sz="1400" dirty="0">
-              <a:latin typeface="Miriam Fixed" panose="020B0509050101010101" pitchFamily="49" charset="-79"/>
-              <a:ea typeface="MS Mincho" panose="02020609040205080304" pitchFamily="49" charset="-128"/>
-              <a:cs typeface="Miriam Fixed" panose="020B0509050101010101" pitchFamily="49" charset="-79"/>
-            </a:endParaRPr>
-          </a:p>
-          <a:p>
-            <a:pPr marL="285750" lvl="1" indent="-285750">
-              <a:buFontTx/>
-              <a:buChar char="-"/>
-            </a:pPr>
-            <a:r>
-              <a:rPr lang="de-DE" sz="1600" dirty="0">
-                <a:latin typeface="Tahoma" panose="020B0604030504040204" pitchFamily="34" charset="0"/>
-                <a:ea typeface="Tahoma" panose="020B0604030504040204" pitchFamily="34" charset="0"/>
-                <a:cs typeface="Tahoma" panose="020B0604030504040204" pitchFamily="34" charset="0"/>
-              </a:rPr>
-              <a:t>Userspezifische Variablen definieren (Persistent)</a:t>
-            </a:r>
-          </a:p>
-          <a:p>
-            <a:pPr marL="717750" lvl="3" indent="-285750">
-              <a:buFontTx/>
-              <a:buChar char="-"/>
-            </a:pPr>
-            <a:r>
-              <a:rPr lang="de-DE" sz="1400" dirty="0">
-                <a:latin typeface="Miriam Fixed" panose="020B0509050101010101" pitchFamily="49" charset="-79"/>
-                <a:ea typeface="MS Mincho" panose="02020609040205080304" pitchFamily="49" charset="-128"/>
-                <a:cs typeface="Miriam Fixed" panose="020B0509050101010101" pitchFamily="49" charset="-79"/>
-              </a:rPr>
-              <a:t>~/.</a:t>
-            </a:r>
-            <a:r>
-              <a:rPr lang="de-DE" sz="1400" dirty="0" err="1">
-                <a:latin typeface="Miriam Fixed" panose="020B0509050101010101" pitchFamily="49" charset="-79"/>
-                <a:ea typeface="MS Mincho" panose="02020609040205080304" pitchFamily="49" charset="-128"/>
-                <a:cs typeface="Miriam Fixed" panose="020B0509050101010101" pitchFamily="49" charset="-79"/>
-              </a:rPr>
-              <a:t>bashrc</a:t>
-            </a:r>
-            <a:endParaRPr lang="de-DE" sz="1400" dirty="0">
-              <a:latin typeface="Miriam Fixed" panose="020B0509050101010101" pitchFamily="49" charset="-79"/>
-              <a:ea typeface="MS Mincho" panose="02020609040205080304" pitchFamily="49" charset="-128"/>
-              <a:cs typeface="Miriam Fixed" panose="020B0509050101010101" pitchFamily="49" charset="-79"/>
-            </a:endParaRPr>
-          </a:p>
-          <a:p>
-            <a:pPr marL="933750" lvl="4" indent="-285750">
-              <a:buFontTx/>
-              <a:buChar char="-"/>
-            </a:pPr>
-            <a:r>
-              <a:rPr lang="de-DE" sz="1200" dirty="0" err="1">
-                <a:latin typeface="Miriam Fixed" panose="020B0509050101010101" pitchFamily="49" charset="-79"/>
-                <a:ea typeface="MS Mincho" panose="02020609040205080304" pitchFamily="49" charset="-128"/>
-                <a:cs typeface="Miriam Fixed" panose="020B0509050101010101" pitchFamily="49" charset="-79"/>
-              </a:rPr>
-              <a:t>export</a:t>
-            </a:r>
-            <a:r>
-              <a:rPr lang="de-DE" sz="1200" dirty="0">
-                <a:latin typeface="Miriam Fixed" panose="020B0509050101010101" pitchFamily="49" charset="-79"/>
-                <a:ea typeface="MS Mincho" panose="02020609040205080304" pitchFamily="49" charset="-128"/>
-                <a:cs typeface="Miriam Fixed" panose="020B0509050101010101" pitchFamily="49" charset="-79"/>
-              </a:rPr>
-              <a:t> variable_1=super</a:t>
-            </a:r>
-          </a:p>
-        </p:txBody>
-      </p:sp>
-      <p:sp>
-        <p:nvSpPr>
-          <p:cNvPr id="3" name="Titel 2">
-            <a:extLst>
-              <a:ext uri="{FF2B5EF4-FFF2-40B4-BE49-F238E27FC236}">
-                <a16:creationId xmlns:a16="http://schemas.microsoft.com/office/drawing/2014/main" id="{6E412052-EBAC-E7CB-2F9E-11F5C929680A}"/>
-              </a:ext>
-            </a:extLst>
-          </p:cNvPr>
-          <p:cNvSpPr>
-            <a:spLocks noGrp="1"/>
-          </p:cNvSpPr>
-          <p:nvPr>
-            <p:ph type="title"/>
-          </p:nvPr>
-        </p:nvSpPr>
-        <p:spPr/>
-        <p:txBody>
-          <a:bodyPr/>
-          <a:lstStyle/>
-          <a:p>
-            <a:r>
-              <a:rPr lang="de-DE" dirty="0">
-                <a:ea typeface="Open Sans"/>
-                <a:cs typeface="Open Sans"/>
-              </a:rPr>
-              <a:t>Linux Grundlagen - Umgebungsvariablen</a:t>
-            </a:r>
-            <a:endParaRPr lang="de-DE" dirty="0"/>
-          </a:p>
-        </p:txBody>
-      </p:sp>
-      <p:sp>
-        <p:nvSpPr>
-          <p:cNvPr id="5" name="Datumsplatzhalter 4">
-            <a:extLst>
-              <a:ext uri="{FF2B5EF4-FFF2-40B4-BE49-F238E27FC236}">
-                <a16:creationId xmlns:a16="http://schemas.microsoft.com/office/drawing/2014/main" id="{7B105CE0-3AB5-4D53-BA26-064A618D84EC}"/>
-              </a:ext>
-            </a:extLst>
-          </p:cNvPr>
-          <p:cNvSpPr>
-            <a:spLocks noGrp="1"/>
-          </p:cNvSpPr>
-          <p:nvPr>
-            <p:ph type="dt" sz="half" idx="18"/>
-          </p:nvPr>
-        </p:nvSpPr>
-        <p:spPr/>
-        <p:txBody>
-          <a:bodyPr/>
-          <a:lstStyle/>
-          <a:p>
-            <a:fld id="{5C112017-8065-48DD-9B13-0C49ED4C96A2}" type="datetime1">
-              <a:rPr lang="de-DE" smtClean="0"/>
-              <a:t>09.06.24</a:t>
-            </a:fld>
-            <a:endParaRPr lang="de-DE" dirty="0"/>
-          </a:p>
-        </p:txBody>
-      </p:sp>
-      <p:sp>
-        <p:nvSpPr>
-          <p:cNvPr id="6" name="Fußzeilenplatzhalter 5">
-            <a:extLst>
-              <a:ext uri="{FF2B5EF4-FFF2-40B4-BE49-F238E27FC236}">
-                <a16:creationId xmlns:a16="http://schemas.microsoft.com/office/drawing/2014/main" id="{0314610A-D010-8C83-5860-B782D64F4471}"/>
-              </a:ext>
-            </a:extLst>
-          </p:cNvPr>
-          <p:cNvSpPr>
-            <a:spLocks noGrp="1"/>
-          </p:cNvSpPr>
-          <p:nvPr>
-            <p:ph type="ftr" sz="quarter" idx="19"/>
-          </p:nvPr>
-        </p:nvSpPr>
-        <p:spPr/>
-        <p:txBody>
-          <a:bodyPr/>
-          <a:lstStyle/>
-          <a:p>
-            <a:endParaRPr lang="de-DE" dirty="0"/>
-          </a:p>
-        </p:txBody>
-      </p:sp>
-      <p:sp>
-        <p:nvSpPr>
-          <p:cNvPr id="7" name="Foliennummernplatzhalter 6">
-            <a:extLst>
-              <a:ext uri="{FF2B5EF4-FFF2-40B4-BE49-F238E27FC236}">
-                <a16:creationId xmlns:a16="http://schemas.microsoft.com/office/drawing/2014/main" id="{9436EE97-DA31-7001-F415-93C28493F0E4}"/>
-              </a:ext>
-            </a:extLst>
-          </p:cNvPr>
-          <p:cNvSpPr>
-            <a:spLocks noGrp="1"/>
-          </p:cNvSpPr>
-          <p:nvPr>
-            <p:ph type="sldNum" sz="quarter" idx="20"/>
-          </p:nvPr>
-        </p:nvSpPr>
-        <p:spPr/>
-        <p:txBody>
-          <a:bodyPr/>
-          <a:lstStyle/>
-          <a:p>
-            <a:fld id="{E07F1749-2C29-4AD9-BF92-E70F8884412B}" type="slidenum">
-              <a:rPr lang="de-DE" smtClean="0"/>
-              <a:pPr/>
-              <a:t>8</a:t>
-            </a:fld>
-            <a:endParaRPr lang="de-DE" dirty="0"/>
-          </a:p>
-        </p:txBody>
-      </p:sp>
-    </p:spTree>
-    <p:extLst>
-      <p:ext uri="{BB962C8B-B14F-4D97-AF65-F5344CB8AC3E}">
-        <p14:creationId xmlns:p14="http://schemas.microsoft.com/office/powerpoint/2010/main" val="1979689811"/>
-      </p:ext>
-    </p:extLst>
-  </p:cSld>
-  <p:clrMapOvr>
-    <a:masterClrMapping/>
-  </p:clrMapOvr>
-</p:sld>
-</file>
-
-<file path=ppt/slides/slide9.xml><?xml version="1.0" encoding="utf-8"?>
-<p:sld xmlns:a="http://schemas.openxmlformats.org/drawingml/2006/main" xmlns:r="http://schemas.openxmlformats.org/officeDocument/2006/relationships" xmlns:p="http://schemas.openxmlformats.org/presentationml/2006/main">
-  <p:cSld>
-    <p:spTree>
-      <p:nvGrpSpPr>
-        <p:cNvPr id="1" name=""/>
-        <p:cNvGrpSpPr/>
-        <p:nvPr/>
-      </p:nvGrpSpPr>
-      <p:grpSpPr>
-        <a:xfrm>
-          <a:off x="0" y="0"/>
-          <a:ext cx="0" cy="0"/>
-          <a:chOff x="0" y="0"/>
-          <a:chExt cx="0" cy="0"/>
-        </a:xfrm>
-      </p:grpSpPr>
-      <p:sp>
-        <p:nvSpPr>
-          <p:cNvPr id="2" name="Inhaltsplatzhalter 1">
-            <a:extLst>
-              <a:ext uri="{FF2B5EF4-FFF2-40B4-BE49-F238E27FC236}">
-                <a16:creationId xmlns:a16="http://schemas.microsoft.com/office/drawing/2014/main" id="{718B2A40-6BC9-1B0F-9850-D8C61C160AF1}"/>
-              </a:ext>
-            </a:extLst>
-          </p:cNvPr>
-          <p:cNvSpPr>
-            <a:spLocks noGrp="1"/>
-          </p:cNvSpPr>
-          <p:nvPr>
-            <p:ph sz="quarter" idx="13"/>
-          </p:nvPr>
-        </p:nvSpPr>
-        <p:spPr>
-          <a:xfrm>
-            <a:off x="579641" y="1157069"/>
-            <a:ext cx="8784531" cy="4681538"/>
-          </a:xfrm>
-        </p:spPr>
-        <p:txBody>
-          <a:bodyPr/>
-          <a:lstStyle/>
-          <a:p>
             <a:pPr>
               <a:lnSpc>
                 <a:spcPct val="150000"/>
@@ -7806,7 +7504,7 @@
           <a:p>
             <a:r>
               <a:rPr lang="de-DE" dirty="0"/>
-              <a:t>Bash | Übungsaufgabe | 15 Minuten Zeit</a:t>
+              <a:t>Bash | Übungsaufgabe | 20 Minuten Zeit</a:t>
             </a:r>
           </a:p>
         </p:txBody>
@@ -7834,7 +7532,7 @@
           <a:p>
             <a:fld id="{5C112017-8065-48DD-9B13-0C49ED4C96A2}" type="datetime1">
               <a:rPr lang="de-DE" smtClean="0"/>
-              <a:t>09.06.24</a:t>
+              <a:t>10.06.24</a:t>
             </a:fld>
             <a:endParaRPr lang="de-DE" dirty="0"/>
           </a:p>
@@ -7889,7 +7587,7 @@
             <a:fld id="{E07F1749-2C29-4AD9-BF92-E70F8884412B}" type="slidenum">
               <a:rPr lang="de-DE" smtClean="0"/>
               <a:pPr/>
-              <a:t>9</a:t>
+              <a:t>8</a:t>
             </a:fld>
             <a:endParaRPr lang="de-DE" dirty="0"/>
           </a:p>
@@ -8453,26 +8151,6 @@
 </file>
 
 <file path=customXml/item1.xml><?xml version="1.0" encoding="utf-8"?>
-<?mso-contentType ?>
-<FormTemplates xmlns="http://schemas.microsoft.com/sharepoint/v3/contenttype/forms">
-  <Display>DocumentLibraryForm</Display>
-  <Edit>DocumentLibraryForm</Edit>
-  <New>DocumentLibraryForm</New>
-</FormTemplates>
-</file>
-
-<file path=customXml/item2.xml><?xml version="1.0" encoding="utf-8"?>
-<p:properties xmlns:p="http://schemas.microsoft.com/office/2006/metadata/properties" xmlns:xsi="http://www.w3.org/2001/XMLSchema-instance" xmlns:pc="http://schemas.microsoft.com/office/infopath/2007/PartnerControls">
-  <documentManagement>
-    <lcf76f155ced4ddcb4097134ff3c332f xmlns="bd1df9fc-eee4-4bfe-b7bd-ff4ca06f87a6">
-      <Terms xmlns="http://schemas.microsoft.com/office/infopath/2007/PartnerControls"/>
-    </lcf76f155ced4ddcb4097134ff3c332f>
-    <TaxCatchAll xmlns="bdf516eb-0c25-4a3b-9b1c-af9181aec22c" xsi:nil="true"/>
-  </documentManagement>
-</p:properties>
-</file>
-
-<file path=customXml/item3.xml><?xml version="1.0" encoding="utf-8"?>
 <ct:contentTypeSchema xmlns:ct="http://schemas.microsoft.com/office/2006/metadata/contentType" xmlns:ma="http://schemas.microsoft.com/office/2006/metadata/properties/metaAttributes" ct:_="" ma:_="" ma:contentTypeName="Dokument" ma:contentTypeID="0x010100D023ED1A4533544EB0ECAE504F3476C3" ma:contentTypeVersion="16" ma:contentTypeDescription="Ein neues Dokument erstellen." ma:contentTypeScope="" ma:versionID="d793762badd805e00f05805417311daf">
   <xsd:schema xmlns:xsd="http://www.w3.org/2001/XMLSchema" xmlns:xs="http://www.w3.org/2001/XMLSchema" xmlns:p="http://schemas.microsoft.com/office/2006/metadata/properties" xmlns:ns2="bd1df9fc-eee4-4bfe-b7bd-ff4ca06f87a6" xmlns:ns3="bdf516eb-0c25-4a3b-9b1c-af9181aec22c" targetNamespace="http://schemas.microsoft.com/office/2006/metadata/properties" ma:root="true" ma:fieldsID="7eb27db833596673fa0d7679061ae251" ns2:_="" ns3:_="">
     <xsd:import namespace="bd1df9fc-eee4-4bfe-b7bd-ff4ca06f87a6"/>
@@ -8715,32 +8393,27 @@
 </ct:contentTypeSchema>
 </file>
 
-<file path=customXml/itemProps1.xml><?xml version="1.0" encoding="utf-8"?>
-<ds:datastoreItem xmlns:ds="http://schemas.openxmlformats.org/officeDocument/2006/customXml" ds:itemID="{2EB8A970-0222-462E-87E4-6C2AE061F11F}">
-  <ds:schemaRefs>
-    <ds:schemaRef ds:uri="http://schemas.microsoft.com/sharepoint/v3/contenttype/forms"/>
-  </ds:schemaRefs>
-</ds:datastoreItem>
+<file path=customXml/item2.xml><?xml version="1.0" encoding="utf-8"?>
+<?mso-contentType ?>
+<FormTemplates xmlns="http://schemas.microsoft.com/sharepoint/v3/contenttype/forms">
+  <Display>DocumentLibraryForm</Display>
+  <Edit>DocumentLibraryForm</Edit>
+  <New>DocumentLibraryForm</New>
+</FormTemplates>
 </file>
 
-<file path=customXml/itemProps2.xml><?xml version="1.0" encoding="utf-8"?>
-<ds:datastoreItem xmlns:ds="http://schemas.openxmlformats.org/officeDocument/2006/customXml" ds:itemID="{422D17F8-9DE9-4834-98A0-0A722CAEA23C}">
-  <ds:schemaRefs>
-    <ds:schemaRef ds:uri="bd1df9fc-eee4-4bfe-b7bd-ff4ca06f87a6"/>
-    <ds:schemaRef ds:uri="http://schemas.openxmlformats.org/package/2006/metadata/core-properties"/>
-    <ds:schemaRef ds:uri="bdf516eb-0c25-4a3b-9b1c-af9181aec22c"/>
-    <ds:schemaRef ds:uri="http://schemas.microsoft.com/office/2006/documentManagement/types"/>
-    <ds:schemaRef ds:uri="http://purl.org/dc/terms/"/>
-    <ds:schemaRef ds:uri="http://purl.org/dc/elements/1.1/"/>
-    <ds:schemaRef ds:uri="http://www.w3.org/XML/1998/namespace"/>
-    <ds:schemaRef ds:uri="http://purl.org/dc/dcmitype/"/>
-    <ds:schemaRef ds:uri="http://schemas.microsoft.com/office/infopath/2007/PartnerControls"/>
-    <ds:schemaRef ds:uri="http://schemas.microsoft.com/office/2006/metadata/properties"/>
-  </ds:schemaRefs>
-</ds:datastoreItem>
+<file path=customXml/item3.xml><?xml version="1.0" encoding="utf-8"?>
+<p:properties xmlns:p="http://schemas.microsoft.com/office/2006/metadata/properties" xmlns:xsi="http://www.w3.org/2001/XMLSchema-instance" xmlns:pc="http://schemas.microsoft.com/office/infopath/2007/PartnerControls">
+  <documentManagement>
+    <lcf76f155ced4ddcb4097134ff3c332f xmlns="bd1df9fc-eee4-4bfe-b7bd-ff4ca06f87a6">
+      <Terms xmlns="http://schemas.microsoft.com/office/infopath/2007/PartnerControls"/>
+    </lcf76f155ced4ddcb4097134ff3c332f>
+    <TaxCatchAll xmlns="bdf516eb-0c25-4a3b-9b1c-af9181aec22c" xsi:nil="true"/>
+  </documentManagement>
+</p:properties>
 </file>
 
-<file path=customXml/itemProps3.xml><?xml version="1.0" encoding="utf-8"?>
+<file path=customXml/itemProps1.xml><?xml version="1.0" encoding="utf-8"?>
 <ds:datastoreItem xmlns:ds="http://schemas.openxmlformats.org/officeDocument/2006/customXml" ds:itemID="{F623BE98-E345-4DA8-AA18-D3C94E979F07}">
   <ds:schemaRefs>
     <ds:schemaRef ds:uri="http://schemas.microsoft.com/office/2006/metadata/contentType"/>
@@ -8757,4 +8430,29 @@
     <ds:schemaRef ds:uri="http://schemas.microsoft.com/internal/obd"/>
   </ds:schemaRefs>
 </ds:datastoreItem>
+</file>
+
+<file path=customXml/itemProps2.xml><?xml version="1.0" encoding="utf-8"?>
+<ds:datastoreItem xmlns:ds="http://schemas.openxmlformats.org/officeDocument/2006/customXml" ds:itemID="{2EB8A970-0222-462E-87E4-6C2AE061F11F}">
+  <ds:schemaRefs>
+    <ds:schemaRef ds:uri="http://schemas.microsoft.com/sharepoint/v3/contenttype/forms"/>
+  </ds:schemaRefs>
+</ds:datastoreItem>
+</file>
+
+<file path=customXml/itemProps3.xml><?xml version="1.0" encoding="utf-8"?>
+<ds:datastoreItem xmlns:ds="http://schemas.openxmlformats.org/officeDocument/2006/customXml" ds:itemID="{422D17F8-9DE9-4834-98A0-0A722CAEA23C}">
+  <ds:schemaRefs>
+    <ds:schemaRef ds:uri="bd1df9fc-eee4-4bfe-b7bd-ff4ca06f87a6"/>
+    <ds:schemaRef ds:uri="http://schemas.openxmlformats.org/package/2006/metadata/core-properties"/>
+    <ds:schemaRef ds:uri="bdf516eb-0c25-4a3b-9b1c-af9181aec22c"/>
+    <ds:schemaRef ds:uri="http://schemas.microsoft.com/office/2006/documentManagement/types"/>
+    <ds:schemaRef ds:uri="http://purl.org/dc/terms/"/>
+    <ds:schemaRef ds:uri="http://purl.org/dc/elements/1.1/"/>
+    <ds:schemaRef ds:uri="http://www.w3.org/XML/1998/namespace"/>
+    <ds:schemaRef ds:uri="http://purl.org/dc/dcmitype/"/>
+    <ds:schemaRef ds:uri="http://schemas.microsoft.com/office/infopath/2007/PartnerControls"/>
+    <ds:schemaRef ds:uri="http://schemas.microsoft.com/office/2006/metadata/properties"/>
+  </ds:schemaRefs>
+</ds:datastoreItem>
 </file>